--- a/_resources/templates/pptx/dark-mode.pptx
+++ b/_resources/templates/pptx/dark-mode.pptx
@@ -214,7 +214,7 @@
           <a:p>
             <a:fld id="{0F9C1CCF-B725-44A7-AA57-5E433BD85C9F}" type="datetimeFigureOut">
               <a:rPr lang="en-US" smtClean="0"/>
-              <a:t>3/24/21</a:t>
+              <a:t>1/31/22</a:t>
             </a:fld>
             <a:endParaRPr lang="en-US"/>
           </a:p>
@@ -734,7 +734,7 @@
           <a:p>
             <a:fld id="{241EB5C9-1307-BA42-ABA2-0BC069CD8E7F}" type="datetimeFigureOut">
               <a:rPr lang="en-US" smtClean="0"/>
-              <a:t>3/24/21</a:t>
+              <a:t>1/31/22</a:t>
             </a:fld>
             <a:endParaRPr lang="en-US"/>
           </a:p>
@@ -958,7 +958,7 @@
           <a:p>
             <a:fld id="{241EB5C9-1307-BA42-ABA2-0BC069CD8E7F}" type="datetimeFigureOut">
               <a:rPr lang="en-US" smtClean="0"/>
-              <a:t>3/24/21</a:t>
+              <a:t>1/31/22</a:t>
             </a:fld>
             <a:endParaRPr lang="en-US"/>
           </a:p>
@@ -1223,7 +1223,7 @@
           <a:p>
             <a:fld id="{241EB5C9-1307-BA42-ABA2-0BC069CD8E7F}" type="datetimeFigureOut">
               <a:rPr lang="en-US" smtClean="0"/>
-              <a:t>3/24/21</a:t>
+              <a:t>1/31/22</a:t>
             </a:fld>
             <a:endParaRPr lang="en-US"/>
           </a:p>
@@ -1516,7 +1516,7 @@
           <a:p>
             <a:fld id="{241EB5C9-1307-BA42-ABA2-0BC069CD8E7F}" type="datetimeFigureOut">
               <a:rPr lang="en-US" smtClean="0"/>
-              <a:t>3/24/21</a:t>
+              <a:t>1/31/22</a:t>
             </a:fld>
             <a:endParaRPr lang="en-US"/>
           </a:p>
@@ -1790,7 +1790,7 @@
           <a:p>
             <a:fld id="{241EB5C9-1307-BA42-ABA2-0BC069CD8E7F}" type="datetimeFigureOut">
               <a:rPr lang="en-US" smtClean="0"/>
-              <a:t>3/24/21</a:t>
+              <a:t>1/31/22</a:t>
             </a:fld>
             <a:endParaRPr lang="en-US"/>
           </a:p>
@@ -1958,7 +1958,7 @@
           <a:p>
             <a:fld id="{241EB5C9-1307-BA42-ABA2-0BC069CD8E7F}" type="datetimeFigureOut">
               <a:rPr lang="en-US" smtClean="0"/>
-              <a:t>3/24/21</a:t>
+              <a:t>1/31/22</a:t>
             </a:fld>
             <a:endParaRPr lang="en-US"/>
           </a:p>
@@ -2342,7 +2342,7 @@
           <a:p>
             <a:fld id="{241EB5C9-1307-BA42-ABA2-0BC069CD8E7F}" type="datetimeFigureOut">
               <a:rPr lang="en-US" smtClean="0"/>
-              <a:t>3/24/21</a:t>
+              <a:t>1/31/22</a:t>
             </a:fld>
             <a:endParaRPr lang="en-US"/>
           </a:p>
@@ -2860,7 +2860,7 @@
           <a:p>
             <a:fld id="{241EB5C9-1307-BA42-ABA2-0BC069CD8E7F}" type="datetimeFigureOut">
               <a:rPr lang="en-US" smtClean="0"/>
-              <a:t>3/24/21</a:t>
+              <a:t>1/31/22</a:t>
             </a:fld>
             <a:endParaRPr lang="en-US"/>
           </a:p>
@@ -3026,7 +3026,7 @@
           <a:p>
             <a:fld id="{241EB5C9-1307-BA42-ABA2-0BC069CD8E7F}" type="datetimeFigureOut">
               <a:rPr lang="en-US" smtClean="0"/>
-              <a:t>3/24/21</a:t>
+              <a:t>1/31/22</a:t>
             </a:fld>
             <a:endParaRPr lang="en-US"/>
           </a:p>
@@ -3147,7 +3147,7 @@
           <a:p>
             <a:fld id="{241EB5C9-1307-BA42-ABA2-0BC069CD8E7F}" type="datetimeFigureOut">
               <a:rPr lang="en-US" smtClean="0"/>
-              <a:t>3/24/21</a:t>
+              <a:t>1/31/22</a:t>
             </a:fld>
             <a:endParaRPr lang="en-US"/>
           </a:p>
@@ -3278,7 +3278,7 @@
             <a:lvl1pPr>
               <a:defRPr sz="2800">
                 <a:solidFill>
-                  <a:srgbClr val="233A5B"/>
+                  <a:srgbClr val="FF6268"/>
                 </a:solidFill>
               </a:defRPr>
             </a:lvl1pPr>
@@ -3434,7 +3434,7 @@
               <a:buNone/>
               <a:defRPr sz="1400">
                 <a:solidFill>
-                  <a:srgbClr val="233A5B"/>
+                  <a:schemeClr val="bg1"/>
                 </a:solidFill>
               </a:defRPr>
             </a:lvl1pPr>
@@ -3503,7 +3503,7 @@
           <a:p>
             <a:fld id="{241EB5C9-1307-BA42-ABA2-0BC069CD8E7F}" type="datetimeFigureOut">
               <a:rPr lang="en-US" smtClean="0"/>
-              <a:t>3/24/21</a:t>
+              <a:t>1/31/22</a:t>
             </a:fld>
             <a:endParaRPr lang="en-US"/>
           </a:p>
@@ -3632,7 +3632,7 @@
             <a:lvl1pPr>
               <a:defRPr sz="1800">
                 <a:solidFill>
-                  <a:srgbClr val="233A5B"/>
+                  <a:srgbClr val="FF6268"/>
                 </a:solidFill>
               </a:defRPr>
             </a:lvl1pPr>
@@ -3746,7 +3746,7 @@
               <a:buNone/>
               <a:defRPr sz="900">
                 <a:solidFill>
-                  <a:srgbClr val="233A5B"/>
+                  <a:schemeClr val="bg1"/>
                 </a:solidFill>
               </a:defRPr>
             </a:lvl1pPr>
@@ -3815,7 +3815,7 @@
           <a:p>
             <a:fld id="{241EB5C9-1307-BA42-ABA2-0BC069CD8E7F}" type="datetimeFigureOut">
               <a:rPr lang="en-US" smtClean="0"/>
-              <a:t>3/24/21</a:t>
+              <a:t>1/31/22</a:t>
             </a:fld>
             <a:endParaRPr lang="en-US"/>
           </a:p>
@@ -4030,7 +4030,7 @@
           <a:p>
             <a:fld id="{241EB5C9-1307-BA42-ABA2-0BC069CD8E7F}" type="datetimeFigureOut">
               <a:rPr lang="en-US" smtClean="0"/>
-              <a:t>3/24/21</a:t>
+              <a:t>1/31/22</a:t>
             </a:fld>
             <a:endParaRPr lang="en-US"/>
           </a:p>

--- a/_resources/templates/pptx/dark-mode.pptx
+++ b/_resources/templates/pptx/dark-mode.pptx
@@ -3271,7 +3271,7 @@
           </a:prstGeom>
         </p:spPr>
         <p:txBody>
-          <a:bodyPr anchor="b">
+          <a:bodyPr anchor="ctr">
             <a:normAutofit/>
           </a:bodyPr>
           <a:lstStyle>
@@ -3432,7 +3432,7 @@
           <a:lstStyle>
             <a:lvl1pPr marL="0" indent="0">
               <a:buNone/>
-              <a:defRPr sz="1400">
+              <a:defRPr sz="1800">
                 <a:solidFill>
                   <a:schemeClr val="bg1"/>
                 </a:solidFill>
@@ -3627,10 +3627,12 @@
           </a:prstGeom>
         </p:spPr>
         <p:txBody>
-          <a:bodyPr anchor="b"/>
+          <a:bodyPr anchor="ctr">
+            <a:normAutofit/>
+          </a:bodyPr>
           <a:lstStyle>
             <a:lvl1pPr>
-              <a:defRPr sz="1800">
+              <a:defRPr sz="2800">
                 <a:solidFill>
                   <a:srgbClr val="FF6268"/>
                 </a:solidFill>
@@ -3740,11 +3742,13 @@
           </a:xfrm>
         </p:spPr>
         <p:txBody>
-          <a:bodyPr/>
+          <a:bodyPr>
+            <a:normAutofit/>
+          </a:bodyPr>
           <a:lstStyle>
             <a:lvl1pPr marL="0" indent="0">
               <a:buNone/>
-              <a:defRPr sz="900">
+              <a:defRPr sz="1800">
                 <a:solidFill>
                   <a:schemeClr val="bg1"/>
                 </a:solidFill>
